--- a/결합확률밀도함수 임용고시 2002.pptx
+++ b/결합확률밀도함수 임용고시 2002.pptx
@@ -170,10 +170,9 @@
           </a:lstStyle>
           <a:p>
             <a:r>
-              <a:rPr lang="en-US" smtClean="0"/>
+              <a:rPr lang="en-US"/>
               <a:t>Click to edit Master title style</a:t>
             </a:r>
-            <a:endParaRPr lang="en-US"/>
           </a:p>
         </p:txBody>
       </p:sp>
@@ -235,10 +234,9 @@
           </a:lstStyle>
           <a:p>
             <a:r>
-              <a:rPr lang="en-US" smtClean="0"/>
+              <a:rPr lang="en-US"/>
               <a:t>Click to edit Master subtitle style</a:t>
             </a:r>
-            <a:endParaRPr lang="en-US"/>
           </a:p>
         </p:txBody>
       </p:sp>
@@ -259,7 +257,7 @@
           <a:p>
             <a:fld id="{5B3AD1D6-AE87-C841-B3FD-7C9F7FCAE5AE}" type="datetimeFigureOut">
               <a:rPr lang="en-US" smtClean="0"/>
-              <a:t>12/15/19</a:t>
+              <a:t>12/23/19</a:t>
             </a:fld>
             <a:endParaRPr lang="en-US"/>
           </a:p>
@@ -353,10 +351,9 @@
           <a:lstStyle/>
           <a:p>
             <a:r>
-              <a:rPr lang="en-US" smtClean="0"/>
+              <a:rPr lang="en-US"/>
               <a:t>Click to edit Master title style</a:t>
             </a:r>
-            <a:endParaRPr lang="en-US"/>
           </a:p>
         </p:txBody>
       </p:sp>
@@ -377,38 +374,37 @@
           <a:p>
             <a:pPr lvl="0"/>
             <a:r>
-              <a:rPr lang="en-US" smtClean="0"/>
+              <a:rPr lang="en-US"/>
               <a:t>Click to edit Master text styles</a:t>
             </a:r>
           </a:p>
           <a:p>
             <a:pPr lvl="1"/>
             <a:r>
-              <a:rPr lang="en-US" smtClean="0"/>
+              <a:rPr lang="en-US"/>
               <a:t>Second level</a:t>
             </a:r>
           </a:p>
           <a:p>
             <a:pPr lvl="2"/>
             <a:r>
-              <a:rPr lang="en-US" smtClean="0"/>
+              <a:rPr lang="en-US"/>
               <a:t>Third level</a:t>
             </a:r>
           </a:p>
           <a:p>
             <a:pPr lvl="3"/>
             <a:r>
-              <a:rPr lang="en-US" smtClean="0"/>
+              <a:rPr lang="en-US"/>
               <a:t>Fourth level</a:t>
             </a:r>
           </a:p>
           <a:p>
             <a:pPr lvl="4"/>
             <a:r>
-              <a:rPr lang="en-US" smtClean="0"/>
+              <a:rPr lang="en-US"/>
               <a:t>Fifth level</a:t>
             </a:r>
-            <a:endParaRPr lang="en-US"/>
           </a:p>
         </p:txBody>
       </p:sp>
@@ -429,7 +425,7 @@
           <a:p>
             <a:fld id="{5B3AD1D6-AE87-C841-B3FD-7C9F7FCAE5AE}" type="datetimeFigureOut">
               <a:rPr lang="en-US" smtClean="0"/>
-              <a:t>12/15/19</a:t>
+              <a:t>12/23/19</a:t>
             </a:fld>
             <a:endParaRPr lang="en-US"/>
           </a:p>
@@ -528,10 +524,9 @@
           <a:lstStyle/>
           <a:p>
             <a:r>
-              <a:rPr lang="en-US" smtClean="0"/>
+              <a:rPr lang="en-US"/>
               <a:t>Click to edit Master title style</a:t>
             </a:r>
-            <a:endParaRPr lang="en-US"/>
           </a:p>
         </p:txBody>
       </p:sp>
@@ -557,38 +552,37 @@
           <a:p>
             <a:pPr lvl="0"/>
             <a:r>
-              <a:rPr lang="en-US" smtClean="0"/>
+              <a:rPr lang="en-US"/>
               <a:t>Click to edit Master text styles</a:t>
             </a:r>
           </a:p>
           <a:p>
             <a:pPr lvl="1"/>
             <a:r>
-              <a:rPr lang="en-US" smtClean="0"/>
+              <a:rPr lang="en-US"/>
               <a:t>Second level</a:t>
             </a:r>
           </a:p>
           <a:p>
             <a:pPr lvl="2"/>
             <a:r>
-              <a:rPr lang="en-US" smtClean="0"/>
+              <a:rPr lang="en-US"/>
               <a:t>Third level</a:t>
             </a:r>
           </a:p>
           <a:p>
             <a:pPr lvl="3"/>
             <a:r>
-              <a:rPr lang="en-US" smtClean="0"/>
+              <a:rPr lang="en-US"/>
               <a:t>Fourth level</a:t>
             </a:r>
           </a:p>
           <a:p>
             <a:pPr lvl="4"/>
             <a:r>
-              <a:rPr lang="en-US" smtClean="0"/>
+              <a:rPr lang="en-US"/>
               <a:t>Fifth level</a:t>
             </a:r>
-            <a:endParaRPr lang="en-US"/>
           </a:p>
         </p:txBody>
       </p:sp>
@@ -609,7 +603,7 @@
           <a:p>
             <a:fld id="{5B3AD1D6-AE87-C841-B3FD-7C9F7FCAE5AE}" type="datetimeFigureOut">
               <a:rPr lang="en-US" smtClean="0"/>
-              <a:t>12/15/19</a:t>
+              <a:t>12/23/19</a:t>
             </a:fld>
             <a:endParaRPr lang="en-US"/>
           </a:p>
@@ -703,10 +697,9 @@
           <a:lstStyle/>
           <a:p>
             <a:r>
-              <a:rPr lang="en-US" smtClean="0"/>
+              <a:rPr lang="en-US"/>
               <a:t>Click to edit Master title style</a:t>
             </a:r>
-            <a:endParaRPr lang="en-US"/>
           </a:p>
         </p:txBody>
       </p:sp>
@@ -727,38 +720,37 @@
           <a:p>
             <a:pPr lvl="0"/>
             <a:r>
-              <a:rPr lang="en-US" smtClean="0"/>
+              <a:rPr lang="en-US"/>
               <a:t>Click to edit Master text styles</a:t>
             </a:r>
           </a:p>
           <a:p>
             <a:pPr lvl="1"/>
             <a:r>
-              <a:rPr lang="en-US" smtClean="0"/>
+              <a:rPr lang="en-US"/>
               <a:t>Second level</a:t>
             </a:r>
           </a:p>
           <a:p>
             <a:pPr lvl="2"/>
             <a:r>
-              <a:rPr lang="en-US" smtClean="0"/>
+              <a:rPr lang="en-US"/>
               <a:t>Third level</a:t>
             </a:r>
           </a:p>
           <a:p>
             <a:pPr lvl="3"/>
             <a:r>
-              <a:rPr lang="en-US" smtClean="0"/>
+              <a:rPr lang="en-US"/>
               <a:t>Fourth level</a:t>
             </a:r>
           </a:p>
           <a:p>
             <a:pPr lvl="4"/>
             <a:r>
-              <a:rPr lang="en-US" smtClean="0"/>
+              <a:rPr lang="en-US"/>
               <a:t>Fifth level</a:t>
             </a:r>
-            <a:endParaRPr lang="en-US"/>
           </a:p>
         </p:txBody>
       </p:sp>
@@ -779,7 +771,7 @@
           <a:p>
             <a:fld id="{5B3AD1D6-AE87-C841-B3FD-7C9F7FCAE5AE}" type="datetimeFigureOut">
               <a:rPr lang="en-US" smtClean="0"/>
-              <a:t>12/15/19</a:t>
+              <a:t>12/23/19</a:t>
             </a:fld>
             <a:endParaRPr lang="en-US"/>
           </a:p>
@@ -882,10 +874,9 @@
           </a:lstStyle>
           <a:p>
             <a:r>
-              <a:rPr lang="en-US" smtClean="0"/>
+              <a:rPr lang="en-US"/>
               <a:t>Click to edit Master title style</a:t>
             </a:r>
-            <a:endParaRPr lang="en-US"/>
           </a:p>
         </p:txBody>
       </p:sp>
@@ -1002,7 +993,7 @@
           <a:p>
             <a:pPr lvl="0"/>
             <a:r>
-              <a:rPr lang="en-US" smtClean="0"/>
+              <a:rPr lang="en-US"/>
               <a:t>Click to edit Master text styles</a:t>
             </a:r>
           </a:p>
@@ -1025,7 +1016,7 @@
           <a:p>
             <a:fld id="{5B3AD1D6-AE87-C841-B3FD-7C9F7FCAE5AE}" type="datetimeFigureOut">
               <a:rPr lang="en-US" smtClean="0"/>
-              <a:t>12/15/19</a:t>
+              <a:t>12/23/19</a:t>
             </a:fld>
             <a:endParaRPr lang="en-US"/>
           </a:p>
@@ -1119,10 +1110,9 @@
           <a:lstStyle/>
           <a:p>
             <a:r>
-              <a:rPr lang="en-US" smtClean="0"/>
+              <a:rPr lang="en-US"/>
               <a:t>Click to edit Master title style</a:t>
             </a:r>
-            <a:endParaRPr lang="en-US"/>
           </a:p>
         </p:txBody>
       </p:sp>
@@ -1148,38 +1138,37 @@
           <a:p>
             <a:pPr lvl="0"/>
             <a:r>
-              <a:rPr lang="en-US" smtClean="0"/>
+              <a:rPr lang="en-US"/>
               <a:t>Click to edit Master text styles</a:t>
             </a:r>
           </a:p>
           <a:p>
             <a:pPr lvl="1"/>
             <a:r>
-              <a:rPr lang="en-US" smtClean="0"/>
+              <a:rPr lang="en-US"/>
               <a:t>Second level</a:t>
             </a:r>
           </a:p>
           <a:p>
             <a:pPr lvl="2"/>
             <a:r>
-              <a:rPr lang="en-US" smtClean="0"/>
+              <a:rPr lang="en-US"/>
               <a:t>Third level</a:t>
             </a:r>
           </a:p>
           <a:p>
             <a:pPr lvl="3"/>
             <a:r>
-              <a:rPr lang="en-US" smtClean="0"/>
+              <a:rPr lang="en-US"/>
               <a:t>Fourth level</a:t>
             </a:r>
           </a:p>
           <a:p>
             <a:pPr lvl="4"/>
             <a:r>
-              <a:rPr lang="en-US" smtClean="0"/>
+              <a:rPr lang="en-US"/>
               <a:t>Fifth level</a:t>
             </a:r>
-            <a:endParaRPr lang="en-US"/>
           </a:p>
         </p:txBody>
       </p:sp>
@@ -1205,38 +1194,37 @@
           <a:p>
             <a:pPr lvl="0"/>
             <a:r>
-              <a:rPr lang="en-US" smtClean="0"/>
+              <a:rPr lang="en-US"/>
               <a:t>Click to edit Master text styles</a:t>
             </a:r>
           </a:p>
           <a:p>
             <a:pPr lvl="1"/>
             <a:r>
-              <a:rPr lang="en-US" smtClean="0"/>
+              <a:rPr lang="en-US"/>
               <a:t>Second level</a:t>
             </a:r>
           </a:p>
           <a:p>
             <a:pPr lvl="2"/>
             <a:r>
-              <a:rPr lang="en-US" smtClean="0"/>
+              <a:rPr lang="en-US"/>
               <a:t>Third level</a:t>
             </a:r>
           </a:p>
           <a:p>
             <a:pPr lvl="3"/>
             <a:r>
-              <a:rPr lang="en-US" smtClean="0"/>
+              <a:rPr lang="en-US"/>
               <a:t>Fourth level</a:t>
             </a:r>
           </a:p>
           <a:p>
             <a:pPr lvl="4"/>
             <a:r>
-              <a:rPr lang="en-US" smtClean="0"/>
+              <a:rPr lang="en-US"/>
               <a:t>Fifth level</a:t>
             </a:r>
-            <a:endParaRPr lang="en-US"/>
           </a:p>
         </p:txBody>
       </p:sp>
@@ -1257,7 +1245,7 @@
           <a:p>
             <a:fld id="{5B3AD1D6-AE87-C841-B3FD-7C9F7FCAE5AE}" type="datetimeFigureOut">
               <a:rPr lang="en-US" smtClean="0"/>
-              <a:t>12/15/19</a:t>
+              <a:t>12/23/19</a:t>
             </a:fld>
             <a:endParaRPr lang="en-US"/>
           </a:p>
@@ -1356,10 +1344,9 @@
           <a:lstStyle/>
           <a:p>
             <a:r>
-              <a:rPr lang="en-US" smtClean="0"/>
+              <a:rPr lang="en-US"/>
               <a:t>Click to edit Master title style</a:t>
             </a:r>
-            <a:endParaRPr lang="en-US"/>
           </a:p>
         </p:txBody>
       </p:sp>
@@ -1422,7 +1409,7 @@
           <a:p>
             <a:pPr lvl="0"/>
             <a:r>
-              <a:rPr lang="en-US" smtClean="0"/>
+              <a:rPr lang="en-US"/>
               <a:t>Click to edit Master text styles</a:t>
             </a:r>
           </a:p>
@@ -1450,38 +1437,37 @@
           <a:p>
             <a:pPr lvl="0"/>
             <a:r>
-              <a:rPr lang="en-US" smtClean="0"/>
+              <a:rPr lang="en-US"/>
               <a:t>Click to edit Master text styles</a:t>
             </a:r>
           </a:p>
           <a:p>
             <a:pPr lvl="1"/>
             <a:r>
-              <a:rPr lang="en-US" smtClean="0"/>
+              <a:rPr lang="en-US"/>
               <a:t>Second level</a:t>
             </a:r>
           </a:p>
           <a:p>
             <a:pPr lvl="2"/>
             <a:r>
-              <a:rPr lang="en-US" smtClean="0"/>
+              <a:rPr lang="en-US"/>
               <a:t>Third level</a:t>
             </a:r>
           </a:p>
           <a:p>
             <a:pPr lvl="3"/>
             <a:r>
-              <a:rPr lang="en-US" smtClean="0"/>
+              <a:rPr lang="en-US"/>
               <a:t>Fourth level</a:t>
             </a:r>
           </a:p>
           <a:p>
             <a:pPr lvl="4"/>
             <a:r>
-              <a:rPr lang="en-US" smtClean="0"/>
+              <a:rPr lang="en-US"/>
               <a:t>Fifth level</a:t>
             </a:r>
-            <a:endParaRPr lang="en-US"/>
           </a:p>
         </p:txBody>
       </p:sp>
@@ -1544,7 +1530,7 @@
           <a:p>
             <a:pPr lvl="0"/>
             <a:r>
-              <a:rPr lang="en-US" smtClean="0"/>
+              <a:rPr lang="en-US"/>
               <a:t>Click to edit Master text styles</a:t>
             </a:r>
           </a:p>
@@ -1572,38 +1558,37 @@
           <a:p>
             <a:pPr lvl="0"/>
             <a:r>
-              <a:rPr lang="en-US" smtClean="0"/>
+              <a:rPr lang="en-US"/>
               <a:t>Click to edit Master text styles</a:t>
             </a:r>
           </a:p>
           <a:p>
             <a:pPr lvl="1"/>
             <a:r>
-              <a:rPr lang="en-US" smtClean="0"/>
+              <a:rPr lang="en-US"/>
               <a:t>Second level</a:t>
             </a:r>
           </a:p>
           <a:p>
             <a:pPr lvl="2"/>
             <a:r>
-              <a:rPr lang="en-US" smtClean="0"/>
+              <a:rPr lang="en-US"/>
               <a:t>Third level</a:t>
             </a:r>
           </a:p>
           <a:p>
             <a:pPr lvl="3"/>
             <a:r>
-              <a:rPr lang="en-US" smtClean="0"/>
+              <a:rPr lang="en-US"/>
               <a:t>Fourth level</a:t>
             </a:r>
           </a:p>
           <a:p>
             <a:pPr lvl="4"/>
             <a:r>
-              <a:rPr lang="en-US" smtClean="0"/>
+              <a:rPr lang="en-US"/>
               <a:t>Fifth level</a:t>
             </a:r>
-            <a:endParaRPr lang="en-US"/>
           </a:p>
         </p:txBody>
       </p:sp>
@@ -1624,7 +1609,7 @@
           <a:p>
             <a:fld id="{5B3AD1D6-AE87-C841-B3FD-7C9F7FCAE5AE}" type="datetimeFigureOut">
               <a:rPr lang="en-US" smtClean="0"/>
-              <a:t>12/15/19</a:t>
+              <a:t>12/23/19</a:t>
             </a:fld>
             <a:endParaRPr lang="en-US"/>
           </a:p>
@@ -1718,10 +1703,9 @@
           <a:lstStyle/>
           <a:p>
             <a:r>
-              <a:rPr lang="en-US" smtClean="0"/>
+              <a:rPr lang="en-US"/>
               <a:t>Click to edit Master title style</a:t>
             </a:r>
-            <a:endParaRPr lang="en-US"/>
           </a:p>
         </p:txBody>
       </p:sp>
@@ -1742,7 +1726,7 @@
           <a:p>
             <a:fld id="{5B3AD1D6-AE87-C841-B3FD-7C9F7FCAE5AE}" type="datetimeFigureOut">
               <a:rPr lang="en-US" smtClean="0"/>
-              <a:t>12/15/19</a:t>
+              <a:t>12/23/19</a:t>
             </a:fld>
             <a:endParaRPr lang="en-US"/>
           </a:p>
@@ -1837,7 +1821,7 @@
           <a:p>
             <a:fld id="{5B3AD1D6-AE87-C841-B3FD-7C9F7FCAE5AE}" type="datetimeFigureOut">
               <a:rPr lang="en-US" smtClean="0"/>
-              <a:t>12/15/19</a:t>
+              <a:t>12/23/19</a:t>
             </a:fld>
             <a:endParaRPr lang="en-US"/>
           </a:p>
@@ -1940,10 +1924,9 @@
           </a:lstStyle>
           <a:p>
             <a:r>
-              <a:rPr lang="en-US" smtClean="0"/>
+              <a:rPr lang="en-US"/>
               <a:t>Click to edit Master title style</a:t>
             </a:r>
-            <a:endParaRPr lang="en-US"/>
           </a:p>
         </p:txBody>
       </p:sp>
@@ -1997,38 +1980,37 @@
           <a:p>
             <a:pPr lvl="0"/>
             <a:r>
-              <a:rPr lang="en-US" smtClean="0"/>
+              <a:rPr lang="en-US"/>
               <a:t>Click to edit Master text styles</a:t>
             </a:r>
           </a:p>
           <a:p>
             <a:pPr lvl="1"/>
             <a:r>
-              <a:rPr lang="en-US" smtClean="0"/>
+              <a:rPr lang="en-US"/>
               <a:t>Second level</a:t>
             </a:r>
           </a:p>
           <a:p>
             <a:pPr lvl="2"/>
             <a:r>
-              <a:rPr lang="en-US" smtClean="0"/>
+              <a:rPr lang="en-US"/>
               <a:t>Third level</a:t>
             </a:r>
           </a:p>
           <a:p>
             <a:pPr lvl="3"/>
             <a:r>
-              <a:rPr lang="en-US" smtClean="0"/>
+              <a:rPr lang="en-US"/>
               <a:t>Fourth level</a:t>
             </a:r>
           </a:p>
           <a:p>
             <a:pPr lvl="4"/>
             <a:r>
-              <a:rPr lang="en-US" smtClean="0"/>
+              <a:rPr lang="en-US"/>
               <a:t>Fifth level</a:t>
             </a:r>
-            <a:endParaRPr lang="en-US"/>
           </a:p>
         </p:txBody>
       </p:sp>
@@ -2091,7 +2073,7 @@
           <a:p>
             <a:pPr lvl="0"/>
             <a:r>
-              <a:rPr lang="en-US" smtClean="0"/>
+              <a:rPr lang="en-US"/>
               <a:t>Click to edit Master text styles</a:t>
             </a:r>
           </a:p>
@@ -2114,7 +2096,7 @@
           <a:p>
             <a:fld id="{5B3AD1D6-AE87-C841-B3FD-7C9F7FCAE5AE}" type="datetimeFigureOut">
               <a:rPr lang="en-US" smtClean="0"/>
-              <a:t>12/15/19</a:t>
+              <a:t>12/23/19</a:t>
             </a:fld>
             <a:endParaRPr lang="en-US"/>
           </a:p>
@@ -2217,10 +2199,9 @@
           </a:lstStyle>
           <a:p>
             <a:r>
-              <a:rPr lang="en-US" smtClean="0"/>
+              <a:rPr lang="en-US"/>
               <a:t>Click to edit Master title style</a:t>
             </a:r>
-            <a:endParaRPr lang="en-US"/>
           </a:p>
         </p:txBody>
       </p:sp>
@@ -2344,7 +2325,7 @@
           <a:p>
             <a:pPr lvl="0"/>
             <a:r>
-              <a:rPr lang="en-US" smtClean="0"/>
+              <a:rPr lang="en-US"/>
               <a:t>Click to edit Master text styles</a:t>
             </a:r>
           </a:p>
@@ -2367,7 +2348,7 @@
           <a:p>
             <a:fld id="{5B3AD1D6-AE87-C841-B3FD-7C9F7FCAE5AE}" type="datetimeFigureOut">
               <a:rPr lang="en-US" smtClean="0"/>
-              <a:t>12/15/19</a:t>
+              <a:t>12/23/19</a:t>
             </a:fld>
             <a:endParaRPr lang="en-US"/>
           </a:p>
@@ -2476,10 +2457,9 @@
           <a:lstStyle/>
           <a:p>
             <a:r>
-              <a:rPr lang="en-US" smtClean="0"/>
+              <a:rPr lang="en-US"/>
               <a:t>Click to edit Master title style</a:t>
             </a:r>
-            <a:endParaRPr lang="en-US"/>
           </a:p>
         </p:txBody>
       </p:sp>
@@ -2510,38 +2490,37 @@
           <a:p>
             <a:pPr lvl="0"/>
             <a:r>
-              <a:rPr lang="en-US" smtClean="0"/>
+              <a:rPr lang="en-US"/>
               <a:t>Click to edit Master text styles</a:t>
             </a:r>
           </a:p>
           <a:p>
             <a:pPr lvl="1"/>
             <a:r>
-              <a:rPr lang="en-US" smtClean="0"/>
+              <a:rPr lang="en-US"/>
               <a:t>Second level</a:t>
             </a:r>
           </a:p>
           <a:p>
             <a:pPr lvl="2"/>
             <a:r>
-              <a:rPr lang="en-US" smtClean="0"/>
+              <a:rPr lang="en-US"/>
               <a:t>Third level</a:t>
             </a:r>
           </a:p>
           <a:p>
             <a:pPr lvl="3"/>
             <a:r>
-              <a:rPr lang="en-US" smtClean="0"/>
+              <a:rPr lang="en-US"/>
               <a:t>Fourth level</a:t>
             </a:r>
           </a:p>
           <a:p>
             <a:pPr lvl="4"/>
             <a:r>
-              <a:rPr lang="en-US" smtClean="0"/>
+              <a:rPr lang="en-US"/>
               <a:t>Fifth level</a:t>
             </a:r>
-            <a:endParaRPr lang="en-US"/>
           </a:p>
         </p:txBody>
       </p:sp>
@@ -2580,7 +2559,7 @@
           <a:p>
             <a:fld id="{5B3AD1D6-AE87-C841-B3FD-7C9F7FCAE5AE}" type="datetimeFigureOut">
               <a:rPr lang="en-US" smtClean="0"/>
-              <a:t>12/15/19</a:t>
+              <a:t>12/23/19</a:t>
             </a:fld>
             <a:endParaRPr lang="en-US"/>
           </a:p>
@@ -3007,29 +2986,6 @@
           </a:bodyPr>
           <a:lstStyle/>
           <a:p>
-            <a:r>
-              <a:rPr lang="en-US" sz="4000" dirty="0" smtClean="0">
-                <a:latin typeface="Arial Black" charset="0"/>
-                <a:ea typeface="Arial Black" charset="0"/>
-                <a:cs typeface="Arial Black" charset="0"/>
-              </a:rPr>
-              <a:t/>
-            </a:r>
-            <a:br>
-              <a:rPr lang="en-US" sz="4000" dirty="0" smtClean="0">
-                <a:latin typeface="Arial Black" charset="0"/>
-                <a:ea typeface="Arial Black" charset="0"/>
-                <a:cs typeface="Arial Black" charset="0"/>
-              </a:rPr>
-            </a:br>
-            <a:r>
-              <a:rPr lang="en-US" sz="4000" dirty="0">
-                <a:latin typeface="Arial Black" charset="0"/>
-                <a:ea typeface="Arial Black" charset="0"/>
-                <a:cs typeface="Arial Black" charset="0"/>
-              </a:rPr>
-              <a:t/>
-            </a:r>
             <a:br>
               <a:rPr lang="en-US" sz="4000" dirty="0">
                 <a:latin typeface="Arial Black" charset="0"/>
@@ -3037,29 +2993,6 @@
                 <a:cs typeface="Arial Black" charset="0"/>
               </a:rPr>
             </a:br>
-            <a:r>
-              <a:rPr lang="en-US" sz="4000" dirty="0" smtClean="0">
-                <a:latin typeface="Arial Black" charset="0"/>
-                <a:ea typeface="Arial Black" charset="0"/>
-                <a:cs typeface="Arial Black" charset="0"/>
-              </a:rPr>
-              <a:t/>
-            </a:r>
-            <a:br>
-              <a:rPr lang="en-US" sz="4000" dirty="0" smtClean="0">
-                <a:latin typeface="Arial Black" charset="0"/>
-                <a:ea typeface="Arial Black" charset="0"/>
-                <a:cs typeface="Arial Black" charset="0"/>
-              </a:rPr>
-            </a:br>
-            <a:r>
-              <a:rPr lang="en-US" sz="4000" dirty="0">
-                <a:latin typeface="Arial Black" charset="0"/>
-                <a:ea typeface="Arial Black" charset="0"/>
-                <a:cs typeface="Arial Black" charset="0"/>
-              </a:rPr>
-              <a:t/>
-            </a:r>
             <a:br>
               <a:rPr lang="en-US" sz="4000" dirty="0">
                 <a:latin typeface="Arial Black" charset="0"/>
@@ -3067,29 +3000,6 @@
                 <a:cs typeface="Arial Black" charset="0"/>
               </a:rPr>
             </a:br>
-            <a:r>
-              <a:rPr lang="en-US" sz="4000" dirty="0" smtClean="0">
-                <a:latin typeface="Arial Black" charset="0"/>
-                <a:ea typeface="Arial Black" charset="0"/>
-                <a:cs typeface="Arial Black" charset="0"/>
-              </a:rPr>
-              <a:t/>
-            </a:r>
-            <a:br>
-              <a:rPr lang="en-US" sz="4000" dirty="0" smtClean="0">
-                <a:latin typeface="Arial Black" charset="0"/>
-                <a:ea typeface="Arial Black" charset="0"/>
-                <a:cs typeface="Arial Black" charset="0"/>
-              </a:rPr>
-            </a:br>
-            <a:r>
-              <a:rPr lang="en-US" sz="4000" dirty="0">
-                <a:latin typeface="Arial Black" charset="0"/>
-                <a:ea typeface="Arial Black" charset="0"/>
-                <a:cs typeface="Arial Black" charset="0"/>
-              </a:rPr>
-              <a:t/>
-            </a:r>
             <a:br>
               <a:rPr lang="en-US" sz="4000" dirty="0">
                 <a:latin typeface="Arial Black" charset="0"/>
@@ -3097,29 +3007,6 @@
                 <a:cs typeface="Arial Black" charset="0"/>
               </a:rPr>
             </a:br>
-            <a:r>
-              <a:rPr lang="en-US" sz="4000" dirty="0" smtClean="0">
-                <a:latin typeface="Arial Black" charset="0"/>
-                <a:ea typeface="Arial Black" charset="0"/>
-                <a:cs typeface="Arial Black" charset="0"/>
-              </a:rPr>
-              <a:t/>
-            </a:r>
-            <a:br>
-              <a:rPr lang="en-US" sz="4000" dirty="0" smtClean="0">
-                <a:latin typeface="Arial Black" charset="0"/>
-                <a:ea typeface="Arial Black" charset="0"/>
-                <a:cs typeface="Arial Black" charset="0"/>
-              </a:rPr>
-            </a:br>
-            <a:r>
-              <a:rPr lang="en-US" sz="4000" dirty="0">
-                <a:latin typeface="Arial Black" charset="0"/>
-                <a:ea typeface="Arial Black" charset="0"/>
-                <a:cs typeface="Arial Black" charset="0"/>
-              </a:rPr>
-              <a:t/>
-            </a:r>
             <a:br>
               <a:rPr lang="en-US" sz="4000" dirty="0">
                 <a:latin typeface="Arial Black" charset="0"/>
@@ -3127,29 +3014,6 @@
                 <a:cs typeface="Arial Black" charset="0"/>
               </a:rPr>
             </a:br>
-            <a:r>
-              <a:rPr lang="en-US" sz="4000" dirty="0" smtClean="0">
-                <a:latin typeface="Arial Black" charset="0"/>
-                <a:ea typeface="Arial Black" charset="0"/>
-                <a:cs typeface="Arial Black" charset="0"/>
-              </a:rPr>
-              <a:t/>
-            </a:r>
-            <a:br>
-              <a:rPr lang="en-US" sz="4000" dirty="0" smtClean="0">
-                <a:latin typeface="Arial Black" charset="0"/>
-                <a:ea typeface="Arial Black" charset="0"/>
-                <a:cs typeface="Arial Black" charset="0"/>
-              </a:rPr>
-            </a:br>
-            <a:r>
-              <a:rPr lang="en-US" sz="4000" dirty="0">
-                <a:latin typeface="Arial Black" charset="0"/>
-                <a:ea typeface="Arial Black" charset="0"/>
-                <a:cs typeface="Arial Black" charset="0"/>
-              </a:rPr>
-              <a:t/>
-            </a:r>
             <a:br>
               <a:rPr lang="en-US" sz="4000" dirty="0">
                 <a:latin typeface="Arial Black" charset="0"/>
@@ -3157,23 +3021,50 @@
                 <a:cs typeface="Arial Black" charset="0"/>
               </a:rPr>
             </a:br>
-            <a:r>
-              <a:rPr lang="en-US" sz="4000" dirty="0" smtClean="0">
-                <a:latin typeface="Arial Black" charset="0"/>
-                <a:ea typeface="Arial Black" charset="0"/>
-                <a:cs typeface="Arial Black" charset="0"/>
-              </a:rPr>
-              <a:t/>
-            </a:r>
             <a:br>
-              <a:rPr lang="en-US" sz="4000" dirty="0" smtClean="0">
+              <a:rPr lang="en-US" sz="4000" dirty="0">
                 <a:latin typeface="Arial Black" charset="0"/>
                 <a:ea typeface="Arial Black" charset="0"/>
                 <a:cs typeface="Arial Black" charset="0"/>
               </a:rPr>
             </a:br>
-            <a:r>
-              <a:rPr lang="en-US" sz="6700" dirty="0" smtClean="0">
+            <a:br>
+              <a:rPr lang="en-US" sz="4000" dirty="0">
+                <a:latin typeface="Arial Black" charset="0"/>
+                <a:ea typeface="Arial Black" charset="0"/>
+                <a:cs typeface="Arial Black" charset="0"/>
+              </a:rPr>
+            </a:br>
+            <a:br>
+              <a:rPr lang="en-US" sz="4000" dirty="0">
+                <a:latin typeface="Arial Black" charset="0"/>
+                <a:ea typeface="Arial Black" charset="0"/>
+                <a:cs typeface="Arial Black" charset="0"/>
+              </a:rPr>
+            </a:br>
+            <a:br>
+              <a:rPr lang="en-US" sz="4000" dirty="0">
+                <a:latin typeface="Arial Black" charset="0"/>
+                <a:ea typeface="Arial Black" charset="0"/>
+                <a:cs typeface="Arial Black" charset="0"/>
+              </a:rPr>
+            </a:br>
+            <a:br>
+              <a:rPr lang="en-US" sz="4000" dirty="0">
+                <a:latin typeface="Arial Black" charset="0"/>
+                <a:ea typeface="Arial Black" charset="0"/>
+                <a:cs typeface="Arial Black" charset="0"/>
+              </a:rPr>
+            </a:br>
+            <a:br>
+              <a:rPr lang="en-US" sz="4000" dirty="0">
+                <a:latin typeface="Arial Black" charset="0"/>
+                <a:ea typeface="Arial Black" charset="0"/>
+                <a:cs typeface="Arial Black" charset="0"/>
+              </a:rPr>
+            </a:br>
+            <a:r>
+              <a:rPr lang="en-US" sz="6700" dirty="0">
                 <a:latin typeface="Arial Black" charset="0"/>
                 <a:ea typeface="Arial Black" charset="0"/>
                 <a:cs typeface="Arial Black" charset="0"/>
@@ -3181,14 +3072,14 @@
               <a:t>Problems</a:t>
             </a:r>
             <a:br>
-              <a:rPr lang="en-US" sz="6700" dirty="0" smtClean="0">
+              <a:rPr lang="en-US" sz="6700" dirty="0">
                 <a:latin typeface="Arial Black" charset="0"/>
                 <a:ea typeface="Arial Black" charset="0"/>
                 <a:cs typeface="Arial Black" charset="0"/>
               </a:rPr>
             </a:br>
             <a:r>
-              <a:rPr lang="en-US" sz="6700" dirty="0" smtClean="0">
+              <a:rPr lang="en-US" sz="6700" dirty="0">
                 <a:latin typeface="Arial Black" charset="0"/>
                 <a:ea typeface="Arial Black" charset="0"/>
                 <a:cs typeface="Arial Black" charset="0"/>
@@ -3196,14 +3087,14 @@
               <a:t>on</a:t>
             </a:r>
             <a:br>
-              <a:rPr lang="en-US" sz="6700" dirty="0" smtClean="0">
+              <a:rPr lang="en-US" sz="6700" dirty="0">
                 <a:latin typeface="Arial Black" charset="0"/>
                 <a:ea typeface="Arial Black" charset="0"/>
                 <a:cs typeface="Arial Black" charset="0"/>
               </a:rPr>
             </a:br>
             <a:r>
-              <a:rPr lang="en-US" sz="6700" dirty="0" smtClean="0">
+              <a:rPr lang="en-US" sz="6700" dirty="0">
                 <a:latin typeface="Arial Black" charset="0"/>
                 <a:ea typeface="Arial Black" charset="0"/>
                 <a:cs typeface="Arial Black" charset="0"/>
@@ -3211,22 +3102,22 @@
               <a:t>Joint PDF</a:t>
             </a:r>
             <a:br>
-              <a:rPr lang="en-US" sz="6700" dirty="0" smtClean="0">
+              <a:rPr lang="en-US" sz="6700" dirty="0">
                 <a:latin typeface="Arial Black" charset="0"/>
                 <a:ea typeface="Arial Black" charset="0"/>
                 <a:cs typeface="Arial Black" charset="0"/>
               </a:rPr>
             </a:br>
             <a:r>
-              <a:rPr lang="en-US" sz="6700" dirty="0" smtClean="0">
+              <a:rPr lang="en-US" altLang="ko-KR" sz="6700" dirty="0">
                 <a:latin typeface="Arial Black" charset="0"/>
                 <a:ea typeface="Arial Black" charset="0"/>
                 <a:cs typeface="Arial Black" charset="0"/>
               </a:rPr>
-              <a:t/>
+              <a:t>2002</a:t>
             </a:r>
             <a:br>
-              <a:rPr lang="en-US" sz="6700" dirty="0" smtClean="0">
+              <a:rPr lang="en-US" sz="6700" dirty="0">
                 <a:latin typeface="Arial Black" charset="0"/>
                 <a:ea typeface="Arial Black" charset="0"/>
                 <a:cs typeface="Arial Black" charset="0"/>
@@ -4099,18 +3990,13 @@
           <a:lstStyle/>
           <a:p>
             <a:r>
-              <a:rPr lang="en-US" sz="4000" dirty="0" smtClean="0">
+              <a:rPr lang="en-US" sz="4000" dirty="0">
                 <a:latin typeface="Arial Black" charset="0"/>
                 <a:ea typeface="Arial Black" charset="0"/>
                 <a:cs typeface="Arial Black" charset="0"/>
               </a:rPr>
               <a:t>X, Y not independent</a:t>
             </a:r>
-            <a:endParaRPr lang="en-US" sz="4000" dirty="0">
-              <a:latin typeface="Arial Black" charset="0"/>
-              <a:ea typeface="Arial Black" charset="0"/>
-              <a:cs typeface="Arial Black" charset="0"/>
-            </a:endParaRPr>
           </a:p>
         </p:txBody>
       </p:sp>
@@ -4162,18 +4048,13 @@
           <a:lstStyle/>
           <a:p>
             <a:r>
-              <a:rPr lang="en-US" sz="4000" dirty="0" smtClean="0">
+              <a:rPr lang="en-US" sz="4000" dirty="0">
                 <a:latin typeface="Arial Black" charset="0"/>
                 <a:ea typeface="Arial Black" charset="0"/>
                 <a:cs typeface="Arial Black" charset="0"/>
               </a:rPr>
               <a:t>Reference</a:t>
             </a:r>
-            <a:endParaRPr lang="en-US" sz="4000" dirty="0">
-              <a:latin typeface="Arial Black" charset="0"/>
-              <a:ea typeface="Arial Black" charset="0"/>
-              <a:cs typeface="Arial Black" charset="0"/>
-            </a:endParaRPr>
           </a:p>
         </p:txBody>
       </p:sp>
@@ -4192,7 +4073,7 @@
           <a:bodyPr/>
           <a:lstStyle/>
           <a:p>
-            <a:endParaRPr lang="en-US" sz="2000" dirty="0" smtClean="0">
+            <a:endParaRPr lang="en-US" sz="2000" dirty="0">
               <a:latin typeface="Arial Black" charset="0"/>
               <a:ea typeface="Arial Black" charset="0"/>
               <a:cs typeface="Arial Black" charset="0"/>
@@ -4201,7 +4082,7 @@
           </a:p>
           <a:p>
             <a:r>
-              <a:rPr lang="en-US" sz="2000" dirty="0" smtClean="0">
+              <a:rPr lang="en-US" sz="2000" dirty="0">
                 <a:latin typeface="Arial Black" charset="0"/>
                 <a:ea typeface="Arial Black" charset="0"/>
                 <a:cs typeface="Arial Black" charset="0"/>
@@ -4209,14 +4090,14 @@
               </a:rPr>
               <a:t>Data</a:t>
             </a:r>
-            <a:endParaRPr lang="en-US" sz="2000" dirty="0" smtClean="0">
+            <a:endParaRPr lang="en-US" sz="2000" dirty="0">
               <a:latin typeface="Arial Black" charset="0"/>
               <a:ea typeface="Arial Black" charset="0"/>
               <a:cs typeface="Arial Black" charset="0"/>
             </a:endParaRPr>
           </a:p>
           <a:p>
-            <a:endParaRPr lang="en-US" sz="2000" dirty="0" smtClean="0">
+            <a:endParaRPr lang="en-US" sz="2000" dirty="0">
               <a:latin typeface="Arial Black" charset="0"/>
               <a:ea typeface="Arial Black" charset="0"/>
               <a:cs typeface="Arial Black" charset="0"/>
@@ -4224,7 +4105,7 @@
           </a:p>
           <a:p>
             <a:r>
-              <a:rPr lang="en-US" sz="2000" dirty="0" smtClean="0">
+              <a:rPr lang="en-US" sz="2000" dirty="0">
                 <a:latin typeface="Arial Black" charset="0"/>
                 <a:ea typeface="Arial Black" charset="0"/>
                 <a:cs typeface="Arial Black" charset="0"/>
@@ -4232,14 +4113,14 @@
               </a:rPr>
               <a:t>Youtube</a:t>
             </a:r>
-            <a:endParaRPr lang="en-US" sz="2000" dirty="0" smtClean="0">
+            <a:endParaRPr lang="en-US" sz="2000" dirty="0">
               <a:latin typeface="Arial Black" charset="0"/>
               <a:ea typeface="Arial Black" charset="0"/>
               <a:cs typeface="Arial Black" charset="0"/>
             </a:endParaRPr>
           </a:p>
           <a:p>
-            <a:endParaRPr lang="en-US" dirty="0" smtClean="0">
+            <a:endParaRPr lang="en-US" dirty="0">
               <a:latin typeface="Arial Black" charset="0"/>
               <a:ea typeface="Arial Black" charset="0"/>
               <a:cs typeface="Arial Black" charset="0"/>
@@ -4247,7 +4128,7 @@
           </a:p>
           <a:p>
             <a:r>
-              <a:rPr lang="en-US" sz="2000" dirty="0" smtClean="0">
+              <a:rPr lang="en-US" sz="2000" dirty="0">
                 <a:latin typeface="Arial Black" charset="0"/>
                 <a:ea typeface="Arial Black" charset="0"/>
                 <a:cs typeface="Arial Black" charset="0"/>
@@ -4255,7 +4136,7 @@
               </a:rPr>
               <a:t>Code</a:t>
             </a:r>
-            <a:endParaRPr lang="en-US" sz="2000" dirty="0" smtClean="0">
+            <a:endParaRPr lang="en-US" sz="2000" dirty="0">
               <a:latin typeface="Arial Black" charset="0"/>
               <a:ea typeface="Arial Black" charset="0"/>
               <a:cs typeface="Arial Black" charset="0"/>
@@ -4274,13 +4155,6 @@
   <p:clrMapOvr>
     <a:masterClrMapping/>
   </p:clrMapOvr>
-  <p:timing>
-    <p:tnLst>
-      <p:par>
-        <p:cTn id="1" dur="indefinite" restart="never" nodeType="tmRoot"/>
-      </p:par>
-    </p:tnLst>
-  </p:timing>
 </p:sld>
 </file>
 
@@ -4324,7 +4198,7 @@
           <a:lstStyle/>
           <a:p>
             <a:r>
-              <a:rPr lang="en-US" sz="4000" dirty="0" smtClean="0">
+              <a:rPr lang="en-US" sz="4000" dirty="0">
                 <a:latin typeface="Arial Black" charset="0"/>
                 <a:ea typeface="Arial Black" charset="0"/>
                 <a:cs typeface="Arial Black" charset="0"/>
@@ -4332,7 +4206,7 @@
               <a:t>[20</a:t>
             </a:r>
             <a:r>
-              <a:rPr lang="en-US" altLang="ko-KR" sz="4000" dirty="0" smtClean="0">
+              <a:rPr lang="en-US" altLang="ko-KR" sz="4000" dirty="0">
                 <a:latin typeface="Arial Black" charset="0"/>
                 <a:ea typeface="Arial Black" charset="0"/>
                 <a:cs typeface="Arial Black" charset="0"/>
@@ -4340,18 +4214,13 @@
               <a:t>02</a:t>
             </a:r>
             <a:r>
-              <a:rPr lang="en-US" sz="4000" dirty="0" smtClean="0">
+              <a:rPr lang="en-US" sz="4000" dirty="0">
                 <a:latin typeface="Arial Black" charset="0"/>
                 <a:ea typeface="Arial Black" charset="0"/>
                 <a:cs typeface="Arial Black" charset="0"/>
               </a:rPr>
               <a:t>]</a:t>
             </a:r>
-            <a:endParaRPr lang="en-US" sz="4000" dirty="0">
-              <a:latin typeface="Arial Black" charset="0"/>
-              <a:ea typeface="Arial Black" charset="0"/>
-              <a:cs typeface="Arial Black" charset="0"/>
-            </a:endParaRPr>
           </a:p>
         </p:txBody>
       </p:sp>
@@ -4438,7 +4307,7 @@
           <a:lstStyle/>
           <a:p>
             <a:r>
-              <a:rPr lang="en-US" sz="4000" dirty="0" smtClean="0">
+              <a:rPr lang="en-US" sz="4000" dirty="0">
                 <a:latin typeface="Arial Black" charset="0"/>
                 <a:ea typeface="Arial Black" charset="0"/>
                 <a:cs typeface="Arial Black" charset="0"/>
@@ -4446,7 +4315,7 @@
               <a:t>[20</a:t>
             </a:r>
             <a:r>
-              <a:rPr lang="en-US" altLang="ko-KR" sz="4000" dirty="0" smtClean="0">
+              <a:rPr lang="en-US" altLang="ko-KR" sz="4000" dirty="0">
                 <a:latin typeface="Arial Black" charset="0"/>
                 <a:ea typeface="Arial Black" charset="0"/>
                 <a:cs typeface="Arial Black" charset="0"/>
@@ -4454,18 +4323,13 @@
               <a:t>02</a:t>
             </a:r>
             <a:r>
-              <a:rPr lang="en-US" sz="4000" dirty="0" smtClean="0">
+              <a:rPr lang="en-US" sz="4000" dirty="0">
                 <a:latin typeface="Arial Black" charset="0"/>
                 <a:ea typeface="Arial Black" charset="0"/>
                 <a:cs typeface="Arial Black" charset="0"/>
               </a:rPr>
               <a:t>]</a:t>
             </a:r>
-            <a:endParaRPr lang="en-US" sz="4000" dirty="0">
-              <a:latin typeface="Arial Black" charset="0"/>
-              <a:ea typeface="Arial Black" charset="0"/>
-              <a:cs typeface="Arial Black" charset="0"/>
-            </a:endParaRPr>
           </a:p>
         </p:txBody>
       </p:sp>
@@ -4552,7 +4416,7 @@
           <a:lstStyle/>
           <a:p>
             <a:r>
-              <a:rPr lang="en-US" sz="4000" dirty="0" smtClean="0">
+              <a:rPr lang="en-US" sz="4000" dirty="0">
                 <a:latin typeface="Arial Black" charset="0"/>
                 <a:ea typeface="Arial Black" charset="0"/>
                 <a:cs typeface="Arial Black" charset="0"/>
@@ -4560,7 +4424,7 @@
               <a:t>[20</a:t>
             </a:r>
             <a:r>
-              <a:rPr lang="en-US" altLang="ko-KR" sz="4000" dirty="0" smtClean="0">
+              <a:rPr lang="en-US" altLang="ko-KR" sz="4000" dirty="0">
                 <a:latin typeface="Arial Black" charset="0"/>
                 <a:ea typeface="Arial Black" charset="0"/>
                 <a:cs typeface="Arial Black" charset="0"/>
@@ -4568,18 +4432,13 @@
               <a:t>02</a:t>
             </a:r>
             <a:r>
-              <a:rPr lang="en-US" sz="4000" dirty="0" smtClean="0">
+              <a:rPr lang="en-US" sz="4000" dirty="0">
                 <a:latin typeface="Arial Black" charset="0"/>
                 <a:ea typeface="Arial Black" charset="0"/>
                 <a:cs typeface="Arial Black" charset="0"/>
               </a:rPr>
               <a:t>]</a:t>
             </a:r>
-            <a:endParaRPr lang="en-US" sz="4000" dirty="0">
-              <a:latin typeface="Arial Black" charset="0"/>
-              <a:ea typeface="Arial Black" charset="0"/>
-              <a:cs typeface="Arial Black" charset="0"/>
-            </a:endParaRPr>
           </a:p>
         </p:txBody>
       </p:sp>
@@ -4605,8 +4464,8 @@
         </p:blipFill>
         <p:spPr>
           <a:xfrm>
-            <a:off x="1183341" y="1354178"/>
-            <a:ext cx="10437348" cy="945269"/>
+            <a:off x="495080" y="1354178"/>
+            <a:ext cx="11201840" cy="1014506"/>
           </a:xfrm>
           <a:prstGeom prst="rect">
             <a:avLst/>
@@ -4635,8 +4494,8 @@
         </p:blipFill>
         <p:spPr>
           <a:xfrm>
-            <a:off x="914460" y="3627717"/>
-            <a:ext cx="10975110" cy="1014506"/>
+            <a:off x="495080" y="3474811"/>
+            <a:ext cx="10348628" cy="956596"/>
           </a:xfrm>
           <a:prstGeom prst="rect">
             <a:avLst/>
